--- a/Relocating with foursquare.pptx
+++ b/Relocating with foursquare.pptx
@@ -114,6 +114,11 @@
       </a:defRPr>
     </a:lvl9pPr>
   </p:defaultTextStyle>
+  <p:extLst>
+    <p:ext uri="{EFAFB233-063F-42B5-8137-9DF3F51BA10A}">
+      <p15:sldGuideLst xmlns:p15="http://schemas.microsoft.com/office/powerpoint/2012/main"/>
+    </p:ext>
+  </p:extLst>
 </p:presentation>
 </file>
 
@@ -4498,14 +4503,19 @@
             <p:ph idx="1"/>
           </p:nvPr>
         </p:nvSpPr>
-        <p:spPr/>
+        <p:spPr>
+          <a:xfrm>
+            <a:off x="1451579" y="2015732"/>
+            <a:ext cx="9603275" cy="3881729"/>
+          </a:xfrm>
+        </p:spPr>
         <p:txBody>
           <a:bodyPr/>
           <a:lstStyle/>
           <a:p>
             <a:r>
               <a:rPr lang="en-US" dirty="0"/>
-              <a:t>BACKGROUND: I am relocating for a new job.  I have offers in two cities and I want to choose the place where I will stay as I am nearing retirement.</a:t>
+              <a:t>BACKGROUND: I am relocating for a new job.  I have offers in two cities and I want to choose the place where I will stay as I am nearing retirement.  I am looking for somewhere primarily with a lot of varied dining and, secondarily, some museums and venues for concerts</a:t>
             </a:r>
           </a:p>
           <a:p>
